--- a/06-Classes-and-Objects.pptx
+++ b/06-Classes-and-Objects.pptx
@@ -3754,6 +3754,13 @@
   <p:clrMapOvr>
     <a:masterClrMapping/>
   </p:clrMapOvr>
+  <p:timing>
+    <p:tnLst>
+      <p:par>
+        <p:cTn id="1" dur="indefinite" restart="never" nodeType="tmRoot"/>
+      </p:par>
+    </p:tnLst>
+  </p:timing>
 </p:sld>
 </file>
 
@@ -3865,13 +3872,6 @@
               </a:rPr>
               <a:t>Контейнер за група класове</a:t>
             </a:r>
-            <a:endParaRPr lang="bg-BG" dirty="0" smtClean="0">
-              <a:solidFill>
-                <a:schemeClr val="bg1">
-                  <a:lumMod val="95000"/>
-                </a:schemeClr>
-              </a:solidFill>
-            </a:endParaRPr>
           </a:p>
           <a:p>
             <a:pPr>
@@ -4133,13 +4133,6 @@
               </a:rPr>
               <a:t>:</a:t>
             </a:r>
-            <a:endParaRPr lang="bg-BG" dirty="0" smtClean="0">
-              <a:solidFill>
-                <a:schemeClr val="bg1">
-                  <a:lumMod val="95000"/>
-                </a:schemeClr>
-              </a:solidFill>
-            </a:endParaRPr>
           </a:p>
           <a:p>
             <a:pPr marL="0" indent="0">
@@ -4216,11 +4209,6 @@
               </a:rPr>
               <a:t>} </a:t>
             </a:r>
-            <a:endParaRPr lang="en-US" dirty="0" smtClean="0">
-              <a:solidFill>
-                <a:schemeClr val="bg1"/>
-              </a:solidFill>
-            </a:endParaRPr>
           </a:p>
           <a:p>
             <a:pPr>
@@ -4257,13 +4245,6 @@
               </a:rPr>
               <a:t>:</a:t>
             </a:r>
-            <a:endParaRPr lang="bg-BG" dirty="0" smtClean="0">
-              <a:solidFill>
-                <a:schemeClr val="bg1">
-                  <a:lumMod val="95000"/>
-                </a:schemeClr>
-              </a:solidFill>
-            </a:endParaRPr>
           </a:p>
           <a:p>
             <a:pPr marL="0" indent="0">
@@ -4510,6 +4491,13 @@
   <p:clrMapOvr>
     <a:masterClrMapping/>
   </p:clrMapOvr>
+  <p:timing>
+    <p:tnLst>
+      <p:par>
+        <p:cTn id="1" dur="indefinite" restart="never" nodeType="tmRoot"/>
+      </p:par>
+    </p:tnLst>
+  </p:timing>
 </p:sld>
 </file>
 
@@ -4874,13 +4862,6 @@
               </a:rPr>
               <a:t>.</a:t>
             </a:r>
-            <a:endParaRPr lang="bg-BG" dirty="0" smtClean="0">
-              <a:solidFill>
-                <a:schemeClr val="bg1">
-                  <a:lumMod val="95000"/>
-                </a:schemeClr>
-              </a:solidFill>
-            </a:endParaRPr>
           </a:p>
           <a:p>
             <a:pPr>
@@ -4905,17 +4886,7 @@
                   </a:schemeClr>
                 </a:solidFill>
               </a:rPr>
-              <a:t> – </a:t>
-            </a:r>
-            <a:r>
-              <a:rPr lang="en-US" dirty="0" smtClean="0">
-                <a:solidFill>
-                  <a:schemeClr val="bg1">
-                    <a:lumMod val="95000"/>
-                  </a:schemeClr>
-                </a:solidFill>
-              </a:rPr>
-              <a:t>set</a:t>
+              <a:t> – set</a:t>
             </a:r>
             <a:r>
               <a:rPr lang="bg-BG" dirty="0" smtClean="0">
@@ -5413,17 +5384,7 @@
                   </a:schemeClr>
                 </a:solidFill>
               </a:rPr>
-              <a:t>съществуват </a:t>
-            </a:r>
-            <a:r>
-              <a:rPr lang="ru-RU" dirty="0" smtClean="0">
-                <a:solidFill>
-                  <a:schemeClr val="bg1">
-                    <a:lumMod val="95000"/>
-                  </a:schemeClr>
-                </a:solidFill>
-              </a:rPr>
-              <a:t>4 </a:t>
+              <a:t>съществуват 4 </a:t>
             </a:r>
             <a:r>
               <a:rPr lang="ru-RU" dirty="0">
@@ -5664,23 +5625,7 @@
                   <a:schemeClr val="accent6"/>
                 </a:solidFill>
               </a:rPr>
-              <a:t> </a:t>
-            </a:r>
-            <a:r>
-              <a:rPr lang="bg-BG" dirty="0" smtClean="0">
-                <a:solidFill>
-                  <a:schemeClr val="accent6"/>
-                </a:solidFill>
-              </a:rPr>
-              <a:t>нива на </a:t>
-            </a:r>
-            <a:r>
-              <a:rPr lang="bg-BG" dirty="0" smtClean="0">
-                <a:solidFill>
-                  <a:schemeClr val="accent6"/>
-                </a:solidFill>
-              </a:rPr>
-              <a:t>достъп</a:t>
+              <a:t> нива на достъп</a:t>
             </a:r>
             <a:r>
               <a:rPr lang="en-US" dirty="0" smtClean="0">
@@ -8418,25 +8363,8 @@
                   </a:schemeClr>
                 </a:solidFill>
               </a:rPr>
-              <a:t>наследниците</a:t>
-            </a:r>
-            <a:r>
-              <a:rPr lang="ru-RU" dirty="0" smtClean="0">
-                <a:solidFill>
-                  <a:schemeClr val="bg1">
-                    <a:lumMod val="95000"/>
-                  </a:schemeClr>
-                </a:solidFill>
-              </a:rPr>
-              <a:t>.</a:t>
-            </a:r>
-            <a:endParaRPr lang="ru-RU" dirty="0" smtClean="0">
-              <a:solidFill>
-                <a:schemeClr val="bg1">
-                  <a:lumMod val="95000"/>
-                </a:schemeClr>
-              </a:solidFill>
-            </a:endParaRPr>
+              <a:t>наследниците.</a:t>
+            </a:r>
           </a:p>
         </p:txBody>
       </p:sp>
@@ -10391,154 +10319,38 @@
                   </a:schemeClr>
                 </a:solidFill>
               </a:rPr>
-              <a:t>.  </a:t>
-            </a:r>
-            <a:r>
-              <a:rPr lang="ru-RU" sz="2400" dirty="0" err="1">
-                <a:solidFill>
-                  <a:schemeClr val="bg1">
-                    <a:lumMod val="95000"/>
-                  </a:schemeClr>
-                </a:solidFill>
-              </a:rPr>
-              <a:t>Създайте</a:t>
-            </a:r>
-            <a:r>
-              <a:rPr lang="ru-RU" sz="2400" dirty="0">
-                <a:solidFill>
-                  <a:schemeClr val="bg1">
-                    <a:lumMod val="95000"/>
-                  </a:schemeClr>
-                </a:solidFill>
-              </a:rPr>
-              <a:t> </a:t>
-            </a:r>
-            <a:r>
-              <a:rPr lang="ru-RU" sz="2400" dirty="0" err="1">
-                <a:solidFill>
-                  <a:schemeClr val="bg1">
-                    <a:lumMod val="95000"/>
-                  </a:schemeClr>
-                </a:solidFill>
-              </a:rPr>
-              <a:t>масив</a:t>
-            </a:r>
-            <a:r>
-              <a:rPr lang="ru-RU" sz="2400" dirty="0">
-                <a:solidFill>
-                  <a:schemeClr val="bg1">
-                    <a:lumMod val="95000"/>
-                  </a:schemeClr>
-                </a:solidFill>
-              </a:rPr>
-              <a:t> от тип </a:t>
-            </a:r>
-            <a:r>
-              <a:rPr lang="ru-RU" sz="2400" dirty="0" err="1">
-                <a:solidFill>
-                  <a:schemeClr val="bg1">
-                    <a:lumMod val="95000"/>
-                  </a:schemeClr>
-                </a:solidFill>
-              </a:rPr>
-              <a:t>Car</a:t>
-            </a:r>
-            <a:r>
-              <a:rPr lang="ru-RU" sz="2400" dirty="0">
-                <a:solidFill>
-                  <a:schemeClr val="bg1">
-                    <a:lumMod val="95000"/>
-                  </a:schemeClr>
-                </a:solidFill>
-              </a:rPr>
-              <a:t> и </a:t>
-            </a:r>
-            <a:r>
-              <a:rPr lang="ru-RU" sz="2400" dirty="0" err="1">
-                <a:solidFill>
-                  <a:schemeClr val="bg1">
-                    <a:lumMod val="95000"/>
-                  </a:schemeClr>
-                </a:solidFill>
-              </a:rPr>
-              <a:t>въведете</a:t>
-            </a:r>
-            <a:r>
-              <a:rPr lang="ru-RU" sz="2400" dirty="0">
-                <a:solidFill>
-                  <a:schemeClr val="bg1">
-                    <a:lumMod val="95000"/>
-                  </a:schemeClr>
-                </a:solidFill>
-              </a:rPr>
-              <a:t> в него 5 коли и 5 джипа. </a:t>
-            </a:r>
-            <a:r>
-              <a:rPr lang="ru-RU" sz="2400" dirty="0" err="1">
-                <a:solidFill>
-                  <a:schemeClr val="bg1">
-                    <a:lumMod val="95000"/>
-                  </a:schemeClr>
-                </a:solidFill>
-              </a:rPr>
-              <a:t>Сортирайте</a:t>
-            </a:r>
-            <a:r>
-              <a:rPr lang="ru-RU" sz="2400" dirty="0">
-                <a:solidFill>
-                  <a:schemeClr val="bg1">
-                    <a:lumMod val="95000"/>
-                  </a:schemeClr>
-                </a:solidFill>
-              </a:rPr>
-              <a:t> </a:t>
-            </a:r>
-            <a:r>
-              <a:rPr lang="ru-RU" sz="2400" dirty="0" err="1">
-                <a:solidFill>
-                  <a:schemeClr val="bg1">
-                    <a:lumMod val="95000"/>
-                  </a:schemeClr>
-                </a:solidFill>
-              </a:rPr>
-              <a:t>масива</a:t>
-            </a:r>
-            <a:r>
-              <a:rPr lang="ru-RU" sz="2400" dirty="0">
-                <a:solidFill>
-                  <a:schemeClr val="bg1">
-                    <a:lumMod val="95000"/>
-                  </a:schemeClr>
-                </a:solidFill>
-              </a:rPr>
-              <a:t> по цена на </a:t>
-            </a:r>
-            <a:r>
-              <a:rPr lang="ru-RU" sz="2400" dirty="0" err="1">
-                <a:solidFill>
-                  <a:schemeClr val="bg1">
-                    <a:lumMod val="95000"/>
-                  </a:schemeClr>
-                </a:solidFill>
-              </a:rPr>
-              <a:t>конкретната</a:t>
-            </a:r>
-            <a:r>
-              <a:rPr lang="ru-RU" sz="2400" dirty="0">
-                <a:solidFill>
-                  <a:schemeClr val="bg1">
-                    <a:lumMod val="95000"/>
-                  </a:schemeClr>
-                </a:solidFill>
-              </a:rPr>
-              <a:t> кола. </a:t>
-            </a:r>
-          </a:p>
-          <a:p>
-            <a:pPr>
-              <a:buFont typeface="Wingdings" panose="05000000000000000000" pitchFamily="2" charset="2"/>
-              <a:buChar char="§"/>
-            </a:pPr>
+              <a:t>.  Създайте масив от тип Car и въведете в него 5 коли и 5 </a:t>
+            </a:r>
+            <a:r>
+              <a:rPr lang="ru-RU" sz="2400" dirty="0" smtClean="0">
+                <a:solidFill>
+                  <a:schemeClr val="bg1">
+                    <a:lumMod val="95000"/>
+                  </a:schemeClr>
+                </a:solidFill>
+              </a:rPr>
+              <a:t>джипа</a:t>
+            </a:r>
+            <a:r>
+              <a:rPr lang="en-US" sz="2400" dirty="0" smtClean="0">
+                <a:solidFill>
+                  <a:schemeClr val="bg1">
+                    <a:lumMod val="95000"/>
+                  </a:schemeClr>
+                </a:solidFill>
+              </a:rPr>
+              <a:t>. O</a:t>
+            </a:r>
+            <a:r>
+              <a:rPr lang="bg-BG" sz="2400" dirty="0" smtClean="0">
+                <a:solidFill>
+                  <a:schemeClr val="bg1">
+                    <a:lumMod val="95000"/>
+                  </a:schemeClr>
+                </a:solidFill>
+              </a:rPr>
+              <a:t>тпечатайте данните за колите в конзолата</a:t>
+            </a:r>
             <a:endParaRPr lang="ru-RU" sz="2400" dirty="0">
               <a:solidFill>
                 <a:schemeClr val="bg1">
@@ -10673,17 +10485,7 @@
                   </a:schemeClr>
                 </a:solidFill>
               </a:rPr>
-              <a:t>Напрате </a:t>
-            </a:r>
-            <a:r>
-              <a:rPr lang="ru-RU" sz="2400" dirty="0" smtClean="0">
-                <a:solidFill>
-                  <a:schemeClr val="bg1">
-                    <a:lumMod val="95000"/>
-                  </a:schemeClr>
-                </a:solidFill>
-              </a:rPr>
-              <a:t>клас, </a:t>
+              <a:t>Напрате клас, </a:t>
             </a:r>
             <a:r>
               <a:rPr lang="ru-RU" sz="2400" dirty="0">
@@ -12676,27 +12478,7 @@
                   </a:schemeClr>
                 </a:solidFill>
               </a:rPr>
-              <a:t>Dog d </a:t>
-            </a:r>
-            <a:r>
-              <a:rPr lang="en-US" dirty="0" smtClean="0">
-                <a:solidFill>
-                  <a:schemeClr val="bg1">
-                    <a:lumMod val="95000"/>
-                  </a:schemeClr>
-                </a:solidFill>
-              </a:rPr>
-              <a:t>= new </a:t>
-            </a:r>
-            <a:r>
-              <a:rPr lang="en-US" dirty="0" smtClean="0">
-                <a:solidFill>
-                  <a:schemeClr val="bg1">
-                    <a:lumMod val="95000"/>
-                  </a:schemeClr>
-                </a:solidFill>
-              </a:rPr>
-              <a:t>Dog();</a:t>
+              <a:t>Dog d = new Dog();</a:t>
             </a:r>
             <a:endParaRPr lang="ru-RU" b="1" dirty="0">
               <a:solidFill>
@@ -13029,17 +12811,7 @@
                   </a:schemeClr>
                 </a:solidFill>
               </a:rPr>
-              <a:t>Dog d </a:t>
-            </a:r>
-            <a:r>
-              <a:rPr lang="en-US" dirty="0" smtClean="0">
-                <a:solidFill>
-                  <a:schemeClr val="bg1">
-                    <a:lumMod val="95000"/>
-                  </a:schemeClr>
-                </a:solidFill>
-              </a:rPr>
-              <a:t>= null</a:t>
+              <a:t>Dog d = null</a:t>
             </a:r>
             <a:r>
               <a:rPr lang="bg-BG" dirty="0" smtClean="0">
@@ -13072,17 +12844,7 @@
                   </a:schemeClr>
                 </a:solidFill>
               </a:rPr>
-              <a:t>Занулявайки референцията към обект той вече не може да се използва</a:t>
-            </a:r>
-            <a:r>
-              <a:rPr lang="bg-BG" dirty="0" smtClean="0">
-                <a:solidFill>
-                  <a:schemeClr val="bg1">
-                    <a:lumMod val="95000"/>
-                  </a:schemeClr>
-                </a:solidFill>
-              </a:rPr>
-              <a:t>.</a:t>
+              <a:t>Занулявайки референцията към обект той вече не може да се използва.</a:t>
             </a:r>
             <a:endParaRPr lang="en-US" dirty="0">
               <a:solidFill>
@@ -13137,13 +12899,6 @@
               </a:rPr>
               <a:t>обектите</a:t>
             </a:r>
-            <a:endParaRPr lang="bg-BG" dirty="0" smtClean="0">
-              <a:solidFill>
-                <a:schemeClr val="bg1">
-                  <a:lumMod val="95000"/>
-                </a:schemeClr>
-              </a:solidFill>
-            </a:endParaRPr>
           </a:p>
           <a:p>
             <a:pPr>
@@ -13158,17 +12913,7 @@
                   </a:schemeClr>
                 </a:solidFill>
               </a:rPr>
-              <a:t>Garbage </a:t>
-            </a:r>
-            <a:r>
-              <a:rPr lang="en-US" dirty="0" smtClean="0">
-                <a:solidFill>
-                  <a:schemeClr val="bg1">
-                    <a:lumMod val="95000"/>
-                  </a:schemeClr>
-                </a:solidFill>
-              </a:rPr>
-              <a:t>Collector</a:t>
+              <a:t>Garbage Collector</a:t>
             </a:r>
             <a:r>
               <a:rPr lang="bg-BG" dirty="0" smtClean="0">
@@ -13178,17 +12923,7 @@
                   </a:schemeClr>
                 </a:solidFill>
               </a:rPr>
-              <a:t> (система за почистване на </a:t>
-            </a:r>
-            <a:r>
-              <a:rPr lang="bg-BG" dirty="0" smtClean="0">
-                <a:solidFill>
-                  <a:schemeClr val="bg1">
-                    <a:lumMod val="95000"/>
-                  </a:schemeClr>
-                </a:solidFill>
-              </a:rPr>
-              <a:t>паметта) – зачиства всички занулени или неизползвани обекти</a:t>
+              <a:t> (система за почистване на паметта) – зачиства всички занулени или неизползвани обекти</a:t>
             </a:r>
             <a:endParaRPr lang="ru-RU" dirty="0">
               <a:solidFill>
